--- a/thesis/bss_pic.pptx
+++ b/thesis/bss_pic.pptx
@@ -262,7 +262,7 @@
           <a:p>
             <a:fld id="{3F7A6499-4D5B-41F3-A4B0-AD2534926E51}" type="datetimeFigureOut">
               <a:rPr lang="en-US" smtClean="0"/>
-              <a:t>7/12/2019</a:t>
+              <a:t>2020-03-01</a:t>
             </a:fld>
             <a:endParaRPr lang="en-US"/>
           </a:p>
@@ -460,7 +460,7 @@
           <a:p>
             <a:fld id="{3F7A6499-4D5B-41F3-A4B0-AD2534926E51}" type="datetimeFigureOut">
               <a:rPr lang="en-US" smtClean="0"/>
-              <a:t>7/12/2019</a:t>
+              <a:t>2020-03-01</a:t>
             </a:fld>
             <a:endParaRPr lang="en-US"/>
           </a:p>
@@ -668,7 +668,7 @@
           <a:p>
             <a:fld id="{3F7A6499-4D5B-41F3-A4B0-AD2534926E51}" type="datetimeFigureOut">
               <a:rPr lang="en-US" smtClean="0"/>
-              <a:t>7/12/2019</a:t>
+              <a:t>2020-03-01</a:t>
             </a:fld>
             <a:endParaRPr lang="en-US"/>
           </a:p>
@@ -866,7 +866,7 @@
           <a:p>
             <a:fld id="{3F7A6499-4D5B-41F3-A4B0-AD2534926E51}" type="datetimeFigureOut">
               <a:rPr lang="en-US" smtClean="0"/>
-              <a:t>7/12/2019</a:t>
+              <a:t>2020-03-01</a:t>
             </a:fld>
             <a:endParaRPr lang="en-US"/>
           </a:p>
@@ -1141,7 +1141,7 @@
           <a:p>
             <a:fld id="{3F7A6499-4D5B-41F3-A4B0-AD2534926E51}" type="datetimeFigureOut">
               <a:rPr lang="en-US" smtClean="0"/>
-              <a:t>7/12/2019</a:t>
+              <a:t>2020-03-01</a:t>
             </a:fld>
             <a:endParaRPr lang="en-US"/>
           </a:p>
@@ -1406,7 +1406,7 @@
           <a:p>
             <a:fld id="{3F7A6499-4D5B-41F3-A4B0-AD2534926E51}" type="datetimeFigureOut">
               <a:rPr lang="en-US" smtClean="0"/>
-              <a:t>7/12/2019</a:t>
+              <a:t>2020-03-01</a:t>
             </a:fld>
             <a:endParaRPr lang="en-US"/>
           </a:p>
@@ -1818,7 +1818,7 @@
           <a:p>
             <a:fld id="{3F7A6499-4D5B-41F3-A4B0-AD2534926E51}" type="datetimeFigureOut">
               <a:rPr lang="en-US" smtClean="0"/>
-              <a:t>7/12/2019</a:t>
+              <a:t>2020-03-01</a:t>
             </a:fld>
             <a:endParaRPr lang="en-US"/>
           </a:p>
@@ -1959,7 +1959,7 @@
           <a:p>
             <a:fld id="{3F7A6499-4D5B-41F3-A4B0-AD2534926E51}" type="datetimeFigureOut">
               <a:rPr lang="en-US" smtClean="0"/>
-              <a:t>7/12/2019</a:t>
+              <a:t>2020-03-01</a:t>
             </a:fld>
             <a:endParaRPr lang="en-US"/>
           </a:p>
@@ -2072,7 +2072,7 @@
           <a:p>
             <a:fld id="{3F7A6499-4D5B-41F3-A4B0-AD2534926E51}" type="datetimeFigureOut">
               <a:rPr lang="en-US" smtClean="0"/>
-              <a:t>7/12/2019</a:t>
+              <a:t>2020-03-01</a:t>
             </a:fld>
             <a:endParaRPr lang="en-US"/>
           </a:p>
@@ -2383,7 +2383,7 @@
           <a:p>
             <a:fld id="{3F7A6499-4D5B-41F3-A4B0-AD2534926E51}" type="datetimeFigureOut">
               <a:rPr lang="en-US" smtClean="0"/>
-              <a:t>7/12/2019</a:t>
+              <a:t>2020-03-01</a:t>
             </a:fld>
             <a:endParaRPr lang="en-US"/>
           </a:p>
@@ -2671,7 +2671,7 @@
           <a:p>
             <a:fld id="{3F7A6499-4D5B-41F3-A4B0-AD2534926E51}" type="datetimeFigureOut">
               <a:rPr lang="en-US" smtClean="0"/>
-              <a:t>7/12/2019</a:t>
+              <a:t>2020-03-01</a:t>
             </a:fld>
             <a:endParaRPr lang="en-US"/>
           </a:p>
@@ -2912,7 +2912,7 @@
           <a:p>
             <a:fld id="{3F7A6499-4D5B-41F3-A4B0-AD2534926E51}" type="datetimeFigureOut">
               <a:rPr lang="en-US" smtClean="0"/>
-              <a:t>7/12/2019</a:t>
+              <a:t>2020-03-01</a:t>
             </a:fld>
             <a:endParaRPr lang="en-US"/>
           </a:p>
@@ -9603,8 +9603,8 @@
             </p:txBody>
           </p:sp>
         </p:grpSp>
-        <mc:AlternateContent xmlns:mc="http://schemas.openxmlformats.org/markup-compatibility/2006">
-          <mc:Choice xmlns:a14="http://schemas.microsoft.com/office/drawing/2010/main" Requires="a14">
+        <mc:AlternateContent xmlns:mc="http://schemas.openxmlformats.org/markup-compatibility/2006" xmlns:a14="http://schemas.microsoft.com/office/drawing/2010/main">
+          <mc:Choice Requires="a14">
             <p:sp>
               <p:nvSpPr>
                 <p:cNvPr id="7" name="Rectangle: Rounded Corners 6">
@@ -9913,7 +9913,7 @@
               </p:txBody>
             </p:sp>
           </mc:Choice>
-          <mc:Fallback>
+          <mc:Fallback xmlns="">
             <p:sp>
               <p:nvSpPr>
                 <p:cNvPr id="7" name="Rectangle: Rounded Corners 6">
@@ -10375,12 +10375,20 @@
             <a:p>
               <a:pPr algn="ctr"/>
               <a:r>
+                <a:rPr lang="en-US" sz="1100">
+                  <a:solidFill>
+                    <a:schemeClr val="tx1"/>
+                  </a:solidFill>
+                </a:rPr>
+                <a:t>Corresponding True </a:t>
+              </a:r>
+              <a:r>
                 <a:rPr lang="en-US" sz="1100" dirty="0">
                   <a:solidFill>
                     <a:schemeClr val="tx1"/>
                   </a:solidFill>
                 </a:rPr>
-                <a:t>Corresponding Ture Signals</a:t>
+                <a:t>Signals</a:t>
               </a:r>
             </a:p>
             <a:p>
